--- a/notebooks/optimization_for_ML/assets/figures.pptx
+++ b/notebooks/optimization_for_ML/assets/figures.pptx
@@ -3342,56 +3342,315 @@
           <a:chExt cx="0" cy="0"/>
         </a:xfrm>
       </p:grpSpPr>
-      <p:sp>
-        <p:nvSpPr>
-          <p:cNvPr id="2" name="Título 1">
-            <a:extLst>
-              <a:ext uri="{FF2B5EF4-FFF2-40B4-BE49-F238E27FC236}">
-                <a16:creationId xmlns:a16="http://schemas.microsoft.com/office/drawing/2014/main" id="{0526997A-CB01-DB40-A232-6306DD73FFD3}"/>
-              </a:ext>
-            </a:extLst>
-          </p:cNvPr>
-          <p:cNvSpPr>
-            <a:spLocks noGrp="1"/>
-          </p:cNvSpPr>
-          <p:nvPr>
-            <p:ph type="ctrTitle"/>
-          </p:nvPr>
-        </p:nvSpPr>
-        <p:spPr/>
-        <p:txBody>
-          <a:bodyPr/>
-          <a:lstStyle/>
-          <a:p>
-            <a:endParaRPr lang="es-CO"/>
-          </a:p>
-        </p:txBody>
-      </p:sp>
-      <p:sp>
-        <p:nvSpPr>
-          <p:cNvPr id="3" name="Subtítulo 2">
-            <a:extLst>
-              <a:ext uri="{FF2B5EF4-FFF2-40B4-BE49-F238E27FC236}">
-                <a16:creationId xmlns:a16="http://schemas.microsoft.com/office/drawing/2014/main" id="{9611A04F-0B89-D04B-A5A6-AF6951800F65}"/>
-              </a:ext>
-            </a:extLst>
-          </p:cNvPr>
-          <p:cNvSpPr>
-            <a:spLocks noGrp="1"/>
-          </p:cNvSpPr>
-          <p:nvPr>
-            <p:ph type="subTitle" idx="1"/>
-          </p:nvPr>
-        </p:nvSpPr>
-        <p:spPr/>
-        <p:txBody>
-          <a:bodyPr/>
-          <a:lstStyle/>
-          <a:p>
-            <a:endParaRPr lang="es-CO"/>
-          </a:p>
-        </p:txBody>
-      </p:sp>
+      <p:pic>
+        <p:nvPicPr>
+          <p:cNvPr id="4" name="Imagen 3">
+            <a:extLst>
+              <a:ext uri="{FF2B5EF4-FFF2-40B4-BE49-F238E27FC236}">
+                <a16:creationId xmlns:a16="http://schemas.microsoft.com/office/drawing/2014/main" id="{FF0EF334-ED91-F849-A526-A5F4C8C944FF}"/>
+              </a:ext>
+            </a:extLst>
+          </p:cNvPr>
+          <p:cNvPicPr>
+            <a:picLocks noChangeAspect="1"/>
+          </p:cNvPicPr>
+          <p:nvPr/>
+        </p:nvPicPr>
+        <p:blipFill>
+          <a:blip r:embed="rId2"/>
+          <a:stretch>
+            <a:fillRect/>
+          </a:stretch>
+        </p:blipFill>
+        <p:spPr>
+          <a:xfrm>
+            <a:off x="1875463" y="4204026"/>
+            <a:ext cx="7409935" cy="1524369"/>
+          </a:xfrm>
+          <a:prstGeom prst="rect">
+            <a:avLst/>
+          </a:prstGeom>
+        </p:spPr>
+      </p:pic>
+      <p:pic>
+        <p:nvPicPr>
+          <p:cNvPr id="5" name="Imagen 4">
+            <a:extLst>
+              <a:ext uri="{FF2B5EF4-FFF2-40B4-BE49-F238E27FC236}">
+                <a16:creationId xmlns:a16="http://schemas.microsoft.com/office/drawing/2014/main" id="{792FD236-4746-004E-9D44-1B3562067FF9}"/>
+              </a:ext>
+            </a:extLst>
+          </p:cNvPr>
+          <p:cNvPicPr>
+            <a:picLocks noChangeAspect="1"/>
+          </p:cNvPicPr>
+          <p:nvPr/>
+        </p:nvPicPr>
+        <p:blipFill>
+          <a:blip r:embed="rId3"/>
+          <a:stretch>
+            <a:fillRect/>
+          </a:stretch>
+        </p:blipFill>
+        <p:spPr>
+          <a:xfrm>
+            <a:off x="1651727" y="1369547"/>
+            <a:ext cx="6558416" cy="1483617"/>
+          </a:xfrm>
+          <a:prstGeom prst="rect">
+            <a:avLst/>
+          </a:prstGeom>
+        </p:spPr>
+      </p:pic>
+      <p:sp>
+        <p:nvSpPr>
+          <p:cNvPr id="6" name="CuadroTexto 5">
+            <a:extLst>
+              <a:ext uri="{FF2B5EF4-FFF2-40B4-BE49-F238E27FC236}">
+                <a16:creationId xmlns:a16="http://schemas.microsoft.com/office/drawing/2014/main" id="{990DFC58-A18A-9740-9BFF-519FE6C30DBD}"/>
+              </a:ext>
+            </a:extLst>
+          </p:cNvPr>
+          <p:cNvSpPr txBox="1"/>
+          <p:nvPr/>
+        </p:nvSpPr>
+        <p:spPr>
+          <a:xfrm>
+            <a:off x="333232" y="3143874"/>
+            <a:ext cx="3449021" cy="584775"/>
+          </a:xfrm>
+          <a:prstGeom prst="rect">
+            <a:avLst/>
+          </a:prstGeom>
+          <a:noFill/>
+        </p:spPr>
+        <p:txBody>
+          <a:bodyPr wrap="none" rtlCol="0">
+            <a:spAutoFit/>
+          </a:bodyPr>
+          <a:lstStyle/>
+          <a:p>
+            <a:r>
+              <a:rPr lang="es-CO" sz="3200" dirty="0"/>
+              <a:t>Tasa de aprendizaje</a:t>
+            </a:r>
+          </a:p>
+        </p:txBody>
+      </p:sp>
+      <p:cxnSp>
+        <p:nvCxnSpPr>
+          <p:cNvPr id="8" name="Conector recto de flecha 7">
+            <a:extLst>
+              <a:ext uri="{FF2B5EF4-FFF2-40B4-BE49-F238E27FC236}">
+                <a16:creationId xmlns:a16="http://schemas.microsoft.com/office/drawing/2014/main" id="{3674A0E7-6F1C-4141-9C34-F8392D628B62}"/>
+              </a:ext>
+            </a:extLst>
+          </p:cNvPr>
+          <p:cNvCxnSpPr>
+            <a:stCxn id="6" idx="3"/>
+          </p:cNvCxnSpPr>
+          <p:nvPr/>
+        </p:nvCxnSpPr>
+        <p:spPr>
+          <a:xfrm flipV="1">
+            <a:off x="3782253" y="2305538"/>
+            <a:ext cx="797809" cy="1130724"/>
+          </a:xfrm>
+          <a:prstGeom prst="straightConnector1">
+            <a:avLst/>
+          </a:prstGeom>
+          <a:ln w="38100">
+            <a:solidFill>
+              <a:schemeClr val="tx1"/>
+            </a:solidFill>
+            <a:tailEnd type="triangle"/>
+          </a:ln>
+        </p:spPr>
+        <p:style>
+          <a:lnRef idx="1">
+            <a:schemeClr val="accent1"/>
+          </a:lnRef>
+          <a:fillRef idx="0">
+            <a:schemeClr val="accent1"/>
+          </a:fillRef>
+          <a:effectRef idx="0">
+            <a:schemeClr val="accent1"/>
+          </a:effectRef>
+          <a:fontRef idx="minor">
+            <a:schemeClr val="tx1"/>
+          </a:fontRef>
+        </p:style>
+      </p:cxnSp>
+      <p:cxnSp>
+        <p:nvCxnSpPr>
+          <p:cNvPr id="9" name="Conector recto de flecha 8">
+            <a:extLst>
+              <a:ext uri="{FF2B5EF4-FFF2-40B4-BE49-F238E27FC236}">
+                <a16:creationId xmlns:a16="http://schemas.microsoft.com/office/drawing/2014/main" id="{D1E66CDF-375A-C44F-AFE6-FAD957CC87A9}"/>
+              </a:ext>
+            </a:extLst>
+          </p:cNvPr>
+          <p:cNvCxnSpPr>
+            <a:cxnSpLocks/>
+            <a:stCxn id="6" idx="3"/>
+          </p:cNvCxnSpPr>
+          <p:nvPr/>
+        </p:nvCxnSpPr>
+        <p:spPr>
+          <a:xfrm>
+            <a:off x="3782253" y="3436262"/>
+            <a:ext cx="566008" cy="1203832"/>
+          </a:xfrm>
+          <a:prstGeom prst="straightConnector1">
+            <a:avLst/>
+          </a:prstGeom>
+          <a:ln w="38100">
+            <a:solidFill>
+              <a:schemeClr val="tx1"/>
+            </a:solidFill>
+            <a:tailEnd type="triangle"/>
+          </a:ln>
+        </p:spPr>
+        <p:style>
+          <a:lnRef idx="1">
+            <a:schemeClr val="accent1"/>
+          </a:lnRef>
+          <a:fillRef idx="0">
+            <a:schemeClr val="accent1"/>
+          </a:fillRef>
+          <a:effectRef idx="0">
+            <a:schemeClr val="accent1"/>
+          </a:effectRef>
+          <a:fontRef idx="minor">
+            <a:schemeClr val="tx1"/>
+          </a:fontRef>
+        </p:style>
+      </p:cxnSp>
+      <p:sp>
+        <p:nvSpPr>
+          <p:cNvPr id="12" name="CuadroTexto 11">
+            <a:extLst>
+              <a:ext uri="{FF2B5EF4-FFF2-40B4-BE49-F238E27FC236}">
+                <a16:creationId xmlns:a16="http://schemas.microsoft.com/office/drawing/2014/main" id="{DA42318B-514B-DD4D-A998-E7C01E812859}"/>
+              </a:ext>
+            </a:extLst>
+          </p:cNvPr>
+          <p:cNvSpPr txBox="1"/>
+          <p:nvPr/>
+        </p:nvSpPr>
+        <p:spPr>
+          <a:xfrm>
+            <a:off x="7542348" y="2909363"/>
+            <a:ext cx="4649652" cy="1077218"/>
+          </a:xfrm>
+          <a:prstGeom prst="rect">
+            <a:avLst/>
+          </a:prstGeom>
+          <a:noFill/>
+        </p:spPr>
+        <p:txBody>
+          <a:bodyPr wrap="square" rtlCol="0">
+            <a:spAutoFit/>
+          </a:bodyPr>
+          <a:lstStyle/>
+          <a:p>
+            <a:r>
+              <a:rPr lang="es-CO" sz="3200" dirty="0"/>
+              <a:t>La magnitud del gradiente cambia en cada punto</a:t>
+            </a:r>
+          </a:p>
+        </p:txBody>
+      </p:sp>
+      <p:cxnSp>
+        <p:nvCxnSpPr>
+          <p:cNvPr id="13" name="Conector recto de flecha 12">
+            <a:extLst>
+              <a:ext uri="{FF2B5EF4-FFF2-40B4-BE49-F238E27FC236}">
+                <a16:creationId xmlns:a16="http://schemas.microsoft.com/office/drawing/2014/main" id="{E46AB24C-E984-A347-B5B1-AA17589C42B2}"/>
+              </a:ext>
+            </a:extLst>
+          </p:cNvPr>
+          <p:cNvCxnSpPr>
+            <a:cxnSpLocks/>
+            <a:stCxn id="12" idx="1"/>
+          </p:cNvCxnSpPr>
+          <p:nvPr/>
+        </p:nvCxnSpPr>
+        <p:spPr>
+          <a:xfrm flipH="1" flipV="1">
+            <a:off x="6971649" y="2409029"/>
+            <a:ext cx="570699" cy="1038943"/>
+          </a:xfrm>
+          <a:prstGeom prst="straightConnector1">
+            <a:avLst/>
+          </a:prstGeom>
+          <a:ln w="38100">
+            <a:solidFill>
+              <a:schemeClr val="tx1"/>
+            </a:solidFill>
+            <a:tailEnd type="triangle"/>
+          </a:ln>
+        </p:spPr>
+        <p:style>
+          <a:lnRef idx="1">
+            <a:schemeClr val="accent1"/>
+          </a:lnRef>
+          <a:fillRef idx="0">
+            <a:schemeClr val="accent1"/>
+          </a:fillRef>
+          <a:effectRef idx="0">
+            <a:schemeClr val="accent1"/>
+          </a:effectRef>
+          <a:fontRef idx="minor">
+            <a:schemeClr val="tx1"/>
+          </a:fontRef>
+        </p:style>
+      </p:cxnSp>
+      <p:cxnSp>
+        <p:nvCxnSpPr>
+          <p:cNvPr id="16" name="Conector recto de flecha 15">
+            <a:extLst>
+              <a:ext uri="{FF2B5EF4-FFF2-40B4-BE49-F238E27FC236}">
+                <a16:creationId xmlns:a16="http://schemas.microsoft.com/office/drawing/2014/main" id="{CF82AA74-2D96-D847-AFAA-03DA548B35BD}"/>
+              </a:ext>
+            </a:extLst>
+          </p:cNvPr>
+          <p:cNvCxnSpPr>
+            <a:cxnSpLocks/>
+            <a:stCxn id="12" idx="1"/>
+          </p:cNvCxnSpPr>
+          <p:nvPr/>
+        </p:nvCxnSpPr>
+        <p:spPr>
+          <a:xfrm flipH="1">
+            <a:off x="6663447" y="3447972"/>
+            <a:ext cx="878901" cy="1192122"/>
+          </a:xfrm>
+          <a:prstGeom prst="straightConnector1">
+            <a:avLst/>
+          </a:prstGeom>
+          <a:ln w="38100">
+            <a:solidFill>
+              <a:schemeClr val="tx1"/>
+            </a:solidFill>
+            <a:tailEnd type="triangle"/>
+          </a:ln>
+        </p:spPr>
+        <p:style>
+          <a:lnRef idx="1">
+            <a:schemeClr val="accent1"/>
+          </a:lnRef>
+          <a:fillRef idx="0">
+            <a:schemeClr val="accent1"/>
+          </a:fillRef>
+          <a:effectRef idx="0">
+            <a:schemeClr val="accent1"/>
+          </a:effectRef>
+          <a:fontRef idx="minor">
+            <a:schemeClr val="tx1"/>
+          </a:fontRef>
+        </p:style>
+      </p:cxnSp>
     </p:spTree>
     <p:extLst>
       <p:ext uri="{BB962C8B-B14F-4D97-AF65-F5344CB8AC3E}">
